--- a/Reference materials/Advanced JAVA/JFX part.pptx
+++ b/Reference materials/Advanced JAVA/JFX part.pptx
@@ -220,7 +220,7 @@
           <a:p>
             <a:fld id="{CBDFB359-B0C7-4C2A-B5E6-DC0AAC7DC740}" type="datetimeFigureOut">
               <a:rPr lang="en-IN" smtClean="0"/>
-              <a:t>25-05-2021</a:t>
+              <a:t>17-05-2021</a:t>
             </a:fld>
             <a:endParaRPr lang="en-IN"/>
           </a:p>
@@ -284,35 +284,35 @@
           <a:p>
             <a:pPr lvl="0"/>
             <a:r>
-              <a:rPr lang="en-US"/>
+              <a:rPr lang="en-US" smtClean="0"/>
               <a:t>Click to edit Master text styles</a:t>
             </a:r>
           </a:p>
           <a:p>
             <a:pPr lvl="1"/>
             <a:r>
-              <a:rPr lang="en-US"/>
+              <a:rPr lang="en-US" smtClean="0"/>
               <a:t>Second level</a:t>
             </a:r>
           </a:p>
           <a:p>
             <a:pPr lvl="2"/>
             <a:r>
-              <a:rPr lang="en-US"/>
+              <a:rPr lang="en-US" smtClean="0"/>
               <a:t>Third level</a:t>
             </a:r>
           </a:p>
           <a:p>
             <a:pPr lvl="3"/>
             <a:r>
-              <a:rPr lang="en-US"/>
+              <a:rPr lang="en-US" smtClean="0"/>
               <a:t>Fourth level</a:t>
             </a:r>
           </a:p>
           <a:p>
             <a:pPr lvl="4"/>
             <a:r>
-              <a:rPr lang="en-US"/>
+              <a:rPr lang="en-US" smtClean="0"/>
               <a:t>Fifth level</a:t>
             </a:r>
             <a:endParaRPr lang="en-IN"/>
@@ -658,9 +658,10 @@
           </a:lstStyle>
           <a:p>
             <a:r>
-              <a:rPr kumimoji="0" lang="en-US"/>
+              <a:rPr kumimoji="0" lang="en-US" smtClean="0"/>
               <a:t>Click to edit Master subtitle style</a:t>
             </a:r>
+            <a:endParaRPr kumimoji="0" lang="en-US"/>
           </a:p>
         </p:txBody>
       </p:sp>
@@ -682,7 +683,7 @@
             <a:fld id="{1D8BD707-D9CF-40AE-B4C6-C98DA3205C09}" type="datetimeFigureOut">
               <a:rPr lang="en-US" smtClean="0"/>
               <a:pPr/>
-              <a:t>5/25/2021</a:t>
+              <a:t>5/17/2021</a:t>
             </a:fld>
             <a:endParaRPr lang="en-US"/>
           </a:p>
@@ -912,9 +913,10 @@
           </a:lstStyle>
           <a:p>
             <a:r>
-              <a:rPr kumimoji="0" lang="en-US"/>
+              <a:rPr kumimoji="0" lang="en-US" smtClean="0"/>
               <a:t>Click to edit Master title style</a:t>
             </a:r>
+            <a:endParaRPr kumimoji="0" lang="en-US"/>
           </a:p>
         </p:txBody>
       </p:sp>
@@ -959,9 +961,10 @@
           <a:lstStyle/>
           <a:p>
             <a:r>
-              <a:rPr kumimoji="0" lang="en-US"/>
+              <a:rPr kumimoji="0" lang="en-US" smtClean="0"/>
               <a:t>Click to edit Master title style</a:t>
             </a:r>
+            <a:endParaRPr kumimoji="0" lang="en-US"/>
           </a:p>
         </p:txBody>
       </p:sp>
@@ -982,35 +985,35 @@
           <a:p>
             <a:pPr lvl="0" eaLnBrk="1" latinLnBrk="0" hangingPunct="1"/>
             <a:r>
-              <a:rPr lang="en-US"/>
+              <a:rPr lang="en-US" smtClean="0"/>
               <a:t>Click to edit Master text styles</a:t>
             </a:r>
           </a:p>
           <a:p>
             <a:pPr lvl="1" eaLnBrk="1" latinLnBrk="0" hangingPunct="1"/>
             <a:r>
-              <a:rPr lang="en-US"/>
+              <a:rPr lang="en-US" smtClean="0"/>
               <a:t>Second level</a:t>
             </a:r>
           </a:p>
           <a:p>
             <a:pPr lvl="2" eaLnBrk="1" latinLnBrk="0" hangingPunct="1"/>
             <a:r>
-              <a:rPr lang="en-US"/>
+              <a:rPr lang="en-US" smtClean="0"/>
               <a:t>Third level</a:t>
             </a:r>
           </a:p>
           <a:p>
             <a:pPr lvl="3" eaLnBrk="1" latinLnBrk="0" hangingPunct="1"/>
             <a:r>
-              <a:rPr lang="en-US"/>
+              <a:rPr lang="en-US" smtClean="0"/>
               <a:t>Fourth level</a:t>
             </a:r>
           </a:p>
           <a:p>
             <a:pPr lvl="4" eaLnBrk="1" latinLnBrk="0" hangingPunct="1"/>
             <a:r>
-              <a:rPr lang="en-US"/>
+              <a:rPr lang="en-US" smtClean="0"/>
               <a:t>Fifth level</a:t>
             </a:r>
             <a:endParaRPr kumimoji="0" lang="en-US"/>
@@ -1035,7 +1038,7 @@
             <a:fld id="{1D8BD707-D9CF-40AE-B4C6-C98DA3205C09}" type="datetimeFigureOut">
               <a:rPr lang="en-US" smtClean="0"/>
               <a:pPr/>
-              <a:t>5/25/2021</a:t>
+              <a:t>5/17/2021</a:t>
             </a:fld>
             <a:endParaRPr lang="en-US"/>
           </a:p>
@@ -1130,9 +1133,10 @@
           <a:lstStyle/>
           <a:p>
             <a:r>
-              <a:rPr kumimoji="0" lang="en-US"/>
+              <a:rPr kumimoji="0" lang="en-US" smtClean="0"/>
               <a:t>Click to edit Master title style</a:t>
             </a:r>
+            <a:endParaRPr kumimoji="0" lang="en-US"/>
           </a:p>
         </p:txBody>
       </p:sp>
@@ -1158,35 +1162,35 @@
           <a:p>
             <a:pPr lvl="0" eaLnBrk="1" latinLnBrk="0" hangingPunct="1"/>
             <a:r>
-              <a:rPr lang="en-US"/>
+              <a:rPr lang="en-US" smtClean="0"/>
               <a:t>Click to edit Master text styles</a:t>
             </a:r>
           </a:p>
           <a:p>
             <a:pPr lvl="1" eaLnBrk="1" latinLnBrk="0" hangingPunct="1"/>
             <a:r>
-              <a:rPr lang="en-US"/>
+              <a:rPr lang="en-US" smtClean="0"/>
               <a:t>Second level</a:t>
             </a:r>
           </a:p>
           <a:p>
             <a:pPr lvl="2" eaLnBrk="1" latinLnBrk="0" hangingPunct="1"/>
             <a:r>
-              <a:rPr lang="en-US"/>
+              <a:rPr lang="en-US" smtClean="0"/>
               <a:t>Third level</a:t>
             </a:r>
           </a:p>
           <a:p>
             <a:pPr lvl="3" eaLnBrk="1" latinLnBrk="0" hangingPunct="1"/>
             <a:r>
-              <a:rPr lang="en-US"/>
+              <a:rPr lang="en-US" smtClean="0"/>
               <a:t>Fourth level</a:t>
             </a:r>
           </a:p>
           <a:p>
             <a:pPr lvl="4" eaLnBrk="1" latinLnBrk="0" hangingPunct="1"/>
             <a:r>
-              <a:rPr lang="en-US"/>
+              <a:rPr lang="en-US" smtClean="0"/>
               <a:t>Fifth level</a:t>
             </a:r>
             <a:endParaRPr kumimoji="0" lang="en-US"/>
@@ -1211,7 +1215,7 @@
             <a:fld id="{1D8BD707-D9CF-40AE-B4C6-C98DA3205C09}" type="datetimeFigureOut">
               <a:rPr lang="en-US" smtClean="0"/>
               <a:pPr/>
-              <a:t>5/25/2021</a:t>
+              <a:t>5/17/2021</a:t>
             </a:fld>
             <a:endParaRPr lang="en-US"/>
           </a:p>
@@ -1301,9 +1305,10 @@
           <a:lstStyle/>
           <a:p>
             <a:r>
-              <a:rPr kumimoji="0" lang="en-US"/>
+              <a:rPr kumimoji="0" lang="en-US" smtClean="0"/>
               <a:t>Click to edit Master title style</a:t>
             </a:r>
+            <a:endParaRPr kumimoji="0" lang="en-US"/>
           </a:p>
         </p:txBody>
       </p:sp>
@@ -1325,7 +1330,7 @@
             <a:fld id="{1D8BD707-D9CF-40AE-B4C6-C98DA3205C09}" type="datetimeFigureOut">
               <a:rPr lang="en-US" smtClean="0"/>
               <a:pPr/>
-              <a:t>5/25/2021</a:t>
+              <a:t>5/17/2021</a:t>
             </a:fld>
             <a:endParaRPr lang="en-US"/>
           </a:p>
@@ -1396,35 +1401,35 @@
           <a:p>
             <a:pPr lvl="0" eaLnBrk="1" latinLnBrk="0" hangingPunct="1"/>
             <a:r>
-              <a:rPr lang="en-US"/>
+              <a:rPr lang="en-US" smtClean="0"/>
               <a:t>Click to edit Master text styles</a:t>
             </a:r>
           </a:p>
           <a:p>
             <a:pPr lvl="1" eaLnBrk="1" latinLnBrk="0" hangingPunct="1"/>
             <a:r>
-              <a:rPr lang="en-US"/>
+              <a:rPr lang="en-US" smtClean="0"/>
               <a:t>Second level</a:t>
             </a:r>
           </a:p>
           <a:p>
             <a:pPr lvl="2" eaLnBrk="1" latinLnBrk="0" hangingPunct="1"/>
             <a:r>
-              <a:rPr lang="en-US"/>
+              <a:rPr lang="en-US" smtClean="0"/>
               <a:t>Third level</a:t>
             </a:r>
           </a:p>
           <a:p>
             <a:pPr lvl="3" eaLnBrk="1" latinLnBrk="0" hangingPunct="1"/>
             <a:r>
-              <a:rPr lang="en-US"/>
+              <a:rPr lang="en-US" smtClean="0"/>
               <a:t>Fourth level</a:t>
             </a:r>
           </a:p>
           <a:p>
             <a:pPr lvl="4" eaLnBrk="1" latinLnBrk="0" hangingPunct="1"/>
             <a:r>
-              <a:rPr lang="en-US"/>
+              <a:rPr lang="en-US" smtClean="0"/>
               <a:t>Fifth level</a:t>
             </a:r>
             <a:endParaRPr kumimoji="0" lang="en-US"/>
@@ -1581,9 +1586,10 @@
           </a:lstStyle>
           <a:p>
             <a:r>
-              <a:rPr kumimoji="0" lang="en-US"/>
+              <a:rPr kumimoji="0" lang="en-US" smtClean="0"/>
               <a:t>Click to edit Master title style</a:t>
             </a:r>
+            <a:endParaRPr kumimoji="0" lang="en-US"/>
           </a:p>
         </p:txBody>
       </p:sp>
@@ -1660,7 +1666,7 @@
           <a:p>
             <a:pPr lvl="0" eaLnBrk="1" latinLnBrk="0" hangingPunct="1"/>
             <a:r>
-              <a:rPr kumimoji="0" lang="en-US"/>
+              <a:rPr kumimoji="0" lang="en-US" smtClean="0"/>
               <a:t>Click to edit Master text styles</a:t>
             </a:r>
           </a:p>
@@ -1684,7 +1690,7 @@
             <a:fld id="{1D8BD707-D9CF-40AE-B4C6-C98DA3205C09}" type="datetimeFigureOut">
               <a:rPr lang="en-US" smtClean="0"/>
               <a:pPr/>
-              <a:t>5/25/2021</a:t>
+              <a:t>5/17/2021</a:t>
             </a:fld>
             <a:endParaRPr lang="en-US"/>
           </a:p>
@@ -1926,9 +1932,10 @@
           <a:lstStyle/>
           <a:p>
             <a:r>
-              <a:rPr kumimoji="0" lang="en-US"/>
+              <a:rPr kumimoji="0" lang="en-US" smtClean="0"/>
               <a:t>Click to edit Master title style</a:t>
             </a:r>
+            <a:endParaRPr kumimoji="0" lang="en-US"/>
           </a:p>
         </p:txBody>
       </p:sp>
@@ -1950,7 +1957,7 @@
             <a:fld id="{1D8BD707-D9CF-40AE-B4C6-C98DA3205C09}" type="datetimeFigureOut">
               <a:rPr lang="en-US" smtClean="0"/>
               <a:pPr/>
-              <a:t>5/25/2021</a:t>
+              <a:t>5/17/2021</a:t>
             </a:fld>
             <a:endParaRPr lang="en-US"/>
           </a:p>
@@ -2021,35 +2028,35 @@
           <a:p>
             <a:pPr lvl="0" eaLnBrk="1" latinLnBrk="0" hangingPunct="1"/>
             <a:r>
-              <a:rPr lang="en-US"/>
+              <a:rPr lang="en-US" smtClean="0"/>
               <a:t>Click to edit Master text styles</a:t>
             </a:r>
           </a:p>
           <a:p>
             <a:pPr lvl="1" eaLnBrk="1" latinLnBrk="0" hangingPunct="1"/>
             <a:r>
-              <a:rPr lang="en-US"/>
+              <a:rPr lang="en-US" smtClean="0"/>
               <a:t>Second level</a:t>
             </a:r>
           </a:p>
           <a:p>
             <a:pPr lvl="2" eaLnBrk="1" latinLnBrk="0" hangingPunct="1"/>
             <a:r>
-              <a:rPr lang="en-US"/>
+              <a:rPr lang="en-US" smtClean="0"/>
               <a:t>Third level</a:t>
             </a:r>
           </a:p>
           <a:p>
             <a:pPr lvl="3" eaLnBrk="1" latinLnBrk="0" hangingPunct="1"/>
             <a:r>
-              <a:rPr lang="en-US"/>
+              <a:rPr lang="en-US" smtClean="0"/>
               <a:t>Fourth level</a:t>
             </a:r>
           </a:p>
           <a:p>
             <a:pPr lvl="4" eaLnBrk="1" latinLnBrk="0" hangingPunct="1"/>
             <a:r>
-              <a:rPr lang="en-US"/>
+              <a:rPr lang="en-US" smtClean="0"/>
               <a:t>Fifth level</a:t>
             </a:r>
             <a:endParaRPr kumimoji="0" lang="en-US"/>
@@ -2078,35 +2085,35 @@
           <a:p>
             <a:pPr lvl="0" eaLnBrk="1" latinLnBrk="0" hangingPunct="1"/>
             <a:r>
-              <a:rPr lang="en-US"/>
+              <a:rPr lang="en-US" smtClean="0"/>
               <a:t>Click to edit Master text styles</a:t>
             </a:r>
           </a:p>
           <a:p>
             <a:pPr lvl="1" eaLnBrk="1" latinLnBrk="0" hangingPunct="1"/>
             <a:r>
-              <a:rPr lang="en-US"/>
+              <a:rPr lang="en-US" smtClean="0"/>
               <a:t>Second level</a:t>
             </a:r>
           </a:p>
           <a:p>
             <a:pPr lvl="2" eaLnBrk="1" latinLnBrk="0" hangingPunct="1"/>
             <a:r>
-              <a:rPr lang="en-US"/>
+              <a:rPr lang="en-US" smtClean="0"/>
               <a:t>Third level</a:t>
             </a:r>
           </a:p>
           <a:p>
             <a:pPr lvl="3" eaLnBrk="1" latinLnBrk="0" hangingPunct="1"/>
             <a:r>
-              <a:rPr lang="en-US"/>
+              <a:rPr lang="en-US" smtClean="0"/>
               <a:t>Fourth level</a:t>
             </a:r>
           </a:p>
           <a:p>
             <a:pPr lvl="4" eaLnBrk="1" latinLnBrk="0" hangingPunct="1"/>
             <a:r>
-              <a:rPr lang="en-US"/>
+              <a:rPr lang="en-US" smtClean="0"/>
               <a:t>Fifth level</a:t>
             </a:r>
             <a:endParaRPr kumimoji="0" lang="en-US"/>
@@ -2163,9 +2170,10 @@
           </a:lstStyle>
           <a:p>
             <a:r>
-              <a:rPr kumimoji="0" lang="en-US"/>
+              <a:rPr kumimoji="0" lang="en-US" smtClean="0"/>
               <a:t>Click to edit Master title style</a:t>
             </a:r>
+            <a:endParaRPr kumimoji="0" lang="en-US"/>
           </a:p>
         </p:txBody>
       </p:sp>
@@ -2226,7 +2234,7 @@
           <a:p>
             <a:pPr lvl="0" eaLnBrk="1" latinLnBrk="0" hangingPunct="1"/>
             <a:r>
-              <a:rPr kumimoji="0" lang="en-US"/>
+              <a:rPr kumimoji="0" lang="en-US" smtClean="0"/>
               <a:t>Click to edit Master text styles</a:t>
             </a:r>
           </a:p>
@@ -2289,7 +2297,7 @@
           <a:p>
             <a:pPr lvl="0" eaLnBrk="1" latinLnBrk="0" hangingPunct="1"/>
             <a:r>
-              <a:rPr kumimoji="0" lang="en-US"/>
+              <a:rPr kumimoji="0" lang="en-US" smtClean="0"/>
               <a:t>Click to edit Master text styles</a:t>
             </a:r>
           </a:p>
@@ -2313,7 +2321,7 @@
             <a:fld id="{1D8BD707-D9CF-40AE-B4C6-C98DA3205C09}" type="datetimeFigureOut">
               <a:rPr lang="en-US" smtClean="0"/>
               <a:pPr/>
-              <a:t>5/25/2021</a:t>
+              <a:t>5/17/2021</a:t>
             </a:fld>
             <a:endParaRPr lang="en-US"/>
           </a:p>
@@ -2384,35 +2392,35 @@
           <a:p>
             <a:pPr lvl="0" eaLnBrk="1" latinLnBrk="0" hangingPunct="1"/>
             <a:r>
-              <a:rPr lang="en-US"/>
+              <a:rPr lang="en-US" smtClean="0"/>
               <a:t>Click to edit Master text styles</a:t>
             </a:r>
           </a:p>
           <a:p>
             <a:pPr lvl="1" eaLnBrk="1" latinLnBrk="0" hangingPunct="1"/>
             <a:r>
-              <a:rPr lang="en-US"/>
+              <a:rPr lang="en-US" smtClean="0"/>
               <a:t>Second level</a:t>
             </a:r>
           </a:p>
           <a:p>
             <a:pPr lvl="2" eaLnBrk="1" latinLnBrk="0" hangingPunct="1"/>
             <a:r>
-              <a:rPr lang="en-US"/>
+              <a:rPr lang="en-US" smtClean="0"/>
               <a:t>Third level</a:t>
             </a:r>
           </a:p>
           <a:p>
             <a:pPr lvl="3" eaLnBrk="1" latinLnBrk="0" hangingPunct="1"/>
             <a:r>
-              <a:rPr lang="en-US"/>
+              <a:rPr lang="en-US" smtClean="0"/>
               <a:t>Fourth level</a:t>
             </a:r>
           </a:p>
           <a:p>
             <a:pPr lvl="4" eaLnBrk="1" latinLnBrk="0" hangingPunct="1"/>
             <a:r>
-              <a:rPr lang="en-US"/>
+              <a:rPr lang="en-US" smtClean="0"/>
               <a:t>Fifth level</a:t>
             </a:r>
             <a:endParaRPr kumimoji="0" lang="en-US"/>
@@ -2441,35 +2449,35 @@
           <a:p>
             <a:pPr lvl="0" eaLnBrk="1" latinLnBrk="0" hangingPunct="1"/>
             <a:r>
-              <a:rPr lang="en-US"/>
+              <a:rPr lang="en-US" smtClean="0"/>
               <a:t>Click to edit Master text styles</a:t>
             </a:r>
           </a:p>
           <a:p>
             <a:pPr lvl="1" eaLnBrk="1" latinLnBrk="0" hangingPunct="1"/>
             <a:r>
-              <a:rPr lang="en-US"/>
+              <a:rPr lang="en-US" smtClean="0"/>
               <a:t>Second level</a:t>
             </a:r>
           </a:p>
           <a:p>
             <a:pPr lvl="2" eaLnBrk="1" latinLnBrk="0" hangingPunct="1"/>
             <a:r>
-              <a:rPr lang="en-US"/>
+              <a:rPr lang="en-US" smtClean="0"/>
               <a:t>Third level</a:t>
             </a:r>
           </a:p>
           <a:p>
             <a:pPr lvl="3" eaLnBrk="1" latinLnBrk="0" hangingPunct="1"/>
             <a:r>
-              <a:rPr lang="en-US"/>
+              <a:rPr lang="en-US" smtClean="0"/>
               <a:t>Fourth level</a:t>
             </a:r>
           </a:p>
           <a:p>
             <a:pPr lvl="4" eaLnBrk="1" latinLnBrk="0" hangingPunct="1"/>
             <a:r>
-              <a:rPr lang="en-US"/>
+              <a:rPr lang="en-US" smtClean="0"/>
               <a:t>Fifth level</a:t>
             </a:r>
             <a:endParaRPr kumimoji="0" lang="en-US"/>
@@ -2517,9 +2525,10 @@
           <a:lstStyle/>
           <a:p>
             <a:r>
-              <a:rPr kumimoji="0" lang="en-US"/>
+              <a:rPr kumimoji="0" lang="en-US" smtClean="0"/>
               <a:t>Click to edit Master title style</a:t>
             </a:r>
+            <a:endParaRPr kumimoji="0" lang="en-US"/>
           </a:p>
         </p:txBody>
       </p:sp>
@@ -2541,7 +2550,7 @@
             <a:fld id="{1D8BD707-D9CF-40AE-B4C6-C98DA3205C09}" type="datetimeFigureOut">
               <a:rPr lang="en-US" smtClean="0"/>
               <a:pPr/>
-              <a:t>5/25/2021</a:t>
+              <a:t>5/17/2021</a:t>
             </a:fld>
             <a:endParaRPr lang="en-US"/>
           </a:p>
@@ -2633,7 +2642,7 @@
             <a:fld id="{1D8BD707-D9CF-40AE-B4C6-C98DA3205C09}" type="datetimeFigureOut">
               <a:rPr lang="en-US" smtClean="0"/>
               <a:pPr/>
-              <a:t>5/25/2021</a:t>
+              <a:t>5/17/2021</a:t>
             </a:fld>
             <a:endParaRPr lang="en-US"/>
           </a:p>
@@ -2828,9 +2837,10 @@
           </a:lstStyle>
           <a:p>
             <a:r>
-              <a:rPr kumimoji="0" lang="en-US"/>
+              <a:rPr kumimoji="0" lang="en-US" smtClean="0"/>
               <a:t>Click to edit Master title style</a:t>
             </a:r>
+            <a:endParaRPr kumimoji="0" lang="en-US"/>
           </a:p>
         </p:txBody>
       </p:sp>
@@ -2877,7 +2887,7 @@
           <a:p>
             <a:pPr lvl="0" eaLnBrk="1" latinLnBrk="0" hangingPunct="1"/>
             <a:r>
-              <a:rPr kumimoji="0" lang="en-US"/>
+              <a:rPr kumimoji="0" lang="en-US" smtClean="0"/>
               <a:t>Click to edit Master text styles</a:t>
             </a:r>
           </a:p>
@@ -2901,7 +2911,7 @@
             <a:fld id="{1D8BD707-D9CF-40AE-B4C6-C98DA3205C09}" type="datetimeFigureOut">
               <a:rPr lang="en-US" smtClean="0"/>
               <a:pPr/>
-              <a:t>5/25/2021</a:t>
+              <a:t>5/17/2021</a:t>
             </a:fld>
             <a:endParaRPr lang="en-US"/>
           </a:p>
@@ -2972,35 +2982,35 @@
           <a:p>
             <a:pPr lvl="0" eaLnBrk="1" latinLnBrk="0" hangingPunct="1"/>
             <a:r>
-              <a:rPr lang="en-US"/>
+              <a:rPr lang="en-US" smtClean="0"/>
               <a:t>Click to edit Master text styles</a:t>
             </a:r>
           </a:p>
           <a:p>
             <a:pPr lvl="1" eaLnBrk="1" latinLnBrk="0" hangingPunct="1"/>
             <a:r>
-              <a:rPr lang="en-US"/>
+              <a:rPr lang="en-US" smtClean="0"/>
               <a:t>Second level</a:t>
             </a:r>
           </a:p>
           <a:p>
             <a:pPr lvl="2" eaLnBrk="1" latinLnBrk="0" hangingPunct="1"/>
             <a:r>
-              <a:rPr lang="en-US"/>
+              <a:rPr lang="en-US" smtClean="0"/>
               <a:t>Third level</a:t>
             </a:r>
           </a:p>
           <a:p>
             <a:pPr lvl="3" eaLnBrk="1" latinLnBrk="0" hangingPunct="1"/>
             <a:r>
-              <a:rPr lang="en-US"/>
+              <a:rPr lang="en-US" smtClean="0"/>
               <a:t>Fourth level</a:t>
             </a:r>
           </a:p>
           <a:p>
             <a:pPr lvl="4" eaLnBrk="1" latinLnBrk="0" hangingPunct="1"/>
             <a:r>
-              <a:rPr lang="en-US"/>
+              <a:rPr lang="en-US" smtClean="0"/>
               <a:t>Fifth level</a:t>
             </a:r>
             <a:endParaRPr kumimoji="0" lang="en-US"/>
@@ -3060,9 +3070,10 @@
           </a:lstStyle>
           <a:p>
             <a:r>
-              <a:rPr kumimoji="0" lang="en-US"/>
+              <a:rPr kumimoji="0" lang="en-US" smtClean="0"/>
               <a:t>Click to edit Master title style</a:t>
             </a:r>
+            <a:endParaRPr kumimoji="0" lang="en-US"/>
           </a:p>
         </p:txBody>
       </p:sp>
@@ -3106,7 +3117,7 @@
           <a:p>
             <a:pPr lvl="0" eaLnBrk="1" latinLnBrk="0" hangingPunct="1"/>
             <a:r>
-              <a:rPr kumimoji="0" lang="en-US"/>
+              <a:rPr kumimoji="0" lang="en-US" smtClean="0"/>
               <a:t>Click to edit Master text styles</a:t>
             </a:r>
           </a:p>
@@ -3130,7 +3141,7 @@
             <a:fld id="{1D8BD707-D9CF-40AE-B4C6-C98DA3205C09}" type="datetimeFigureOut">
               <a:rPr lang="en-US" smtClean="0"/>
               <a:pPr/>
-              <a:t>5/25/2021</a:t>
+              <a:t>5/17/2021</a:t>
             </a:fld>
             <a:endParaRPr lang="en-US"/>
           </a:p>
@@ -3371,7 +3382,7 @@
           </a:lstStyle>
           <a:p>
             <a:r>
-              <a:rPr kumimoji="0" lang="en-US"/>
+              <a:rPr kumimoji="0" lang="en-US" smtClean="0"/>
               <a:t>Click icon to add picture</a:t>
             </a:r>
             <a:endParaRPr kumimoji="0" lang="en-US" dirty="0"/>
@@ -3528,9 +3539,10 @@
           <a:lstStyle/>
           <a:p>
             <a:r>
-              <a:rPr kumimoji="0" lang="en-US"/>
+              <a:rPr kumimoji="0" lang="en-US" smtClean="0"/>
               <a:t>Click to edit Master title style</a:t>
             </a:r>
+            <a:endParaRPr kumimoji="0" lang="en-US"/>
           </a:p>
         </p:txBody>
       </p:sp>
@@ -3561,37 +3573,38 @@
           <a:p>
             <a:pPr lvl="0" eaLnBrk="1" latinLnBrk="0" hangingPunct="1"/>
             <a:r>
-              <a:rPr kumimoji="0" lang="en-US"/>
+              <a:rPr kumimoji="0" lang="en-US" smtClean="0"/>
               <a:t>Click to edit Master text styles</a:t>
             </a:r>
           </a:p>
           <a:p>
             <a:pPr lvl="1" eaLnBrk="1" latinLnBrk="0" hangingPunct="1"/>
             <a:r>
-              <a:rPr kumimoji="0" lang="en-US"/>
+              <a:rPr kumimoji="0" lang="en-US" smtClean="0"/>
               <a:t>Second level</a:t>
             </a:r>
           </a:p>
           <a:p>
             <a:pPr lvl="2" eaLnBrk="1" latinLnBrk="0" hangingPunct="1"/>
             <a:r>
-              <a:rPr kumimoji="0" lang="en-US"/>
+              <a:rPr kumimoji="0" lang="en-US" smtClean="0"/>
               <a:t>Third level</a:t>
             </a:r>
           </a:p>
           <a:p>
             <a:pPr lvl="3" eaLnBrk="1" latinLnBrk="0" hangingPunct="1"/>
             <a:r>
-              <a:rPr kumimoji="0" lang="en-US"/>
+              <a:rPr kumimoji="0" lang="en-US" smtClean="0"/>
               <a:t>Fourth level</a:t>
             </a:r>
           </a:p>
           <a:p>
             <a:pPr lvl="4" eaLnBrk="1" latinLnBrk="0" hangingPunct="1"/>
             <a:r>
-              <a:rPr kumimoji="0" lang="en-US"/>
+              <a:rPr kumimoji="0" lang="en-US" smtClean="0"/>
               <a:t>Fifth level</a:t>
             </a:r>
+            <a:endParaRPr kumimoji="0" lang="en-US"/>
           </a:p>
         </p:txBody>
       </p:sp>
@@ -3629,7 +3642,7 @@
             <a:fld id="{1D8BD707-D9CF-40AE-B4C6-C98DA3205C09}" type="datetimeFigureOut">
               <a:rPr lang="en-US" smtClean="0"/>
               <a:pPr/>
-              <a:t>5/25/2021</a:t>
+              <a:t>5/17/2021</a:t>
             </a:fld>
             <a:endParaRPr lang="en-US"/>
           </a:p>
@@ -4069,7 +4082,7 @@
           <a:lstStyle/>
           <a:p>
             <a:r>
-              <a:rPr lang="en-IN" b="1" dirty="0"/>
+              <a:rPr lang="en-IN" b="1" dirty="0" smtClean="0"/>
               <a:t>JFX</a:t>
             </a:r>
             <a:endParaRPr lang="en-IN" dirty="0"/>
@@ -4086,6 +4099,13 @@
   <p:clrMapOvr>
     <a:masterClrMapping/>
   </p:clrMapOvr>
+  <p:timing>
+    <p:tnLst>
+      <p:par>
+        <p:cTn id="1" dur="indefinite" restart="never" nodeType="tmRoot"/>
+      </p:par>
+    </p:tnLst>
+  </p:timing>
 </p:sld>
 </file>
 
@@ -4129,9 +4149,10 @@
           <a:lstStyle/>
           <a:p>
             <a:r>
-              <a:rPr lang="en-IN" dirty="0"/>
+              <a:rPr lang="en-IN" dirty="0" smtClean="0"/>
               <a:t>Hello world</a:t>
             </a:r>
+            <a:endParaRPr lang="en-IN" dirty="0"/>
           </a:p>
         </p:txBody>
       </p:sp>
@@ -4161,9 +4182,10 @@
               <a:buNone/>
             </a:pPr>
             <a:r>
-              <a:rPr lang="en-IN" dirty="0"/>
+              <a:rPr lang="en-IN" dirty="0" smtClean="0"/>
               <a:t>Refer JFX Helloworld.pdf</a:t>
             </a:r>
+            <a:endParaRPr lang="en-IN" dirty="0"/>
           </a:p>
         </p:txBody>
       </p:sp>
@@ -4237,9 +4259,10 @@
           <a:lstStyle/>
           <a:p>
             <a:r>
-              <a:rPr lang="en-IN" dirty="0"/>
+              <a:rPr lang="en-IN" dirty="0" smtClean="0"/>
               <a:t>Hello world</a:t>
             </a:r>
+            <a:endParaRPr lang="en-IN" dirty="0"/>
           </a:p>
         </p:txBody>
       </p:sp>
@@ -4277,23 +4300,46 @@
               <a:rPr lang="en-US" dirty="0"/>
               <a:t> class. The start() method is the main entry point for all JavaFX applications. </a:t>
             </a:r>
-          </a:p>
-          <a:p>
+            <a:endParaRPr lang="en-US" dirty="0" smtClean="0"/>
+          </a:p>
+          <a:p>
+            <a:r>
+              <a:rPr lang="en-US" dirty="0" smtClean="0"/>
+              <a:t>A </a:t>
+            </a:r>
             <a:r>
               <a:rPr lang="en-US" dirty="0"/>
-              <a:t>A JavaFX application defines the user interface container by means of a stage and a scene. </a:t>
-            </a:r>
-          </a:p>
-          <a:p>
+              <a:t>JavaFX application defines the user interface container by means of a stage and a scene. </a:t>
+            </a:r>
+            <a:endParaRPr lang="en-US" dirty="0" smtClean="0"/>
+          </a:p>
+          <a:p>
+            <a:r>
+              <a:rPr lang="en-US" dirty="0" smtClean="0"/>
+              <a:t>The </a:t>
+            </a:r>
             <a:r>
               <a:rPr lang="en-US" dirty="0"/>
-              <a:t>The JavaFX Stage class is the top-level JavaFX container. The JavaFX Scene class is the container for all content. Here we create the stage and scene and makes the scene visible in a given pixel size. </a:t>
-            </a:r>
-          </a:p>
-          <a:p>
+              <a:t>JavaFX Stage class is the top-level JavaFX container. The JavaFX Scene class is the container for all content. </a:t>
+            </a:r>
+            <a:r>
+              <a:rPr lang="en-US" dirty="0" smtClean="0"/>
+              <a:t>Here we create </a:t>
+            </a:r>
             <a:r>
               <a:rPr lang="en-US" dirty="0"/>
-              <a:t>In JavaFX, the content of the scene is represented as a hierarchical scene graph of nodes. In this example, the root node is a </a:t>
+              <a:t>the stage and scene and makes the scene visible in a given pixel size. </a:t>
+            </a:r>
+            <a:endParaRPr lang="en-US" dirty="0" smtClean="0"/>
+          </a:p>
+          <a:p>
+            <a:r>
+              <a:rPr lang="en-US" dirty="0" smtClean="0"/>
+              <a:t>In </a:t>
+            </a:r>
+            <a:r>
+              <a:rPr lang="en-US" dirty="0"/>
+              <a:t>JavaFX, the content of the scene is represented as a hierarchical scene graph of nodes. In this example, the root node is a </a:t>
             </a:r>
             <a:r>
               <a:rPr lang="en-US" dirty="0" err="1"/>
@@ -4301,13 +4347,21 @@
             </a:r>
             <a:r>
               <a:rPr lang="en-US" dirty="0"/>
-              <a:t> object, which is a resizable layout node. This means that the root node's size tracks the scene's size and changes when the stage is resized by a user.  </a:t>
-            </a:r>
-          </a:p>
-          <a:p>
+              <a:t> object, which is a resizable layout node. This means that the root node's size tracks the scene's size and changes when the stage is resized by a user. </a:t>
+            </a:r>
+            <a:r>
+              <a:rPr lang="en-US" dirty="0" smtClean="0"/>
+              <a:t> </a:t>
+            </a:r>
+          </a:p>
+          <a:p>
+            <a:r>
+              <a:rPr lang="en-US" dirty="0" smtClean="0"/>
+              <a:t>The </a:t>
+            </a:r>
             <a:r>
               <a:rPr lang="en-US" dirty="0"/>
-              <a:t>The root node contains one child node, a button control with text, plus an event handler to print a message when the button is pressed.</a:t>
+              <a:t>root node contains one child node, a button control with text, plus an event handler to print a message when the button is pressed.</a:t>
             </a:r>
             <a:endParaRPr lang="en-IN" dirty="0"/>
           </a:p>
@@ -4359,9 +4413,10 @@
           <a:lstStyle/>
           <a:p>
             <a:r>
-              <a:rPr lang="en-IN" dirty="0"/>
+              <a:rPr lang="en-IN" dirty="0" smtClean="0"/>
               <a:t>Life cycle</a:t>
             </a:r>
+            <a:endParaRPr lang="en-IN" dirty="0"/>
           </a:p>
         </p:txBody>
       </p:sp>
@@ -4479,7 +4534,11 @@
           <a:p>
             <a:r>
               <a:rPr lang="en-US" dirty="0"/>
-              <a:t>Creating a Form in JavaFX</a:t>
+              <a:t>Creating a Form in </a:t>
+            </a:r>
+            <a:r>
+              <a:rPr lang="en-US" dirty="0" smtClean="0"/>
+              <a:t>JavaFX</a:t>
             </a:r>
             <a:endParaRPr lang="en-IN" dirty="0"/>
           </a:p>
@@ -4504,31 +4563,57 @@
           <a:p>
             <a:r>
               <a:rPr lang="en-US" dirty="0"/>
-              <a:t>Creating a form is a common activity when developing an application</a:t>
-            </a:r>
-          </a:p>
-          <a:p>
+              <a:t>Creating a form is a common activity when developing an </a:t>
+            </a:r>
+            <a:r>
+              <a:rPr lang="en-US" dirty="0" smtClean="0"/>
+              <a:t>application</a:t>
+            </a:r>
+          </a:p>
+          <a:p>
+            <a:r>
+              <a:rPr lang="en-US" dirty="0" smtClean="0"/>
+              <a:t>1. From </a:t>
+            </a:r>
             <a:r>
               <a:rPr lang="en-US" dirty="0"/>
-              <a:t>1. From the File menu, choose New Project. </a:t>
-            </a:r>
-          </a:p>
-          <a:p>
+              <a:t>the File menu, choose New Project. </a:t>
+            </a:r>
+            <a:endParaRPr lang="en-US" dirty="0" smtClean="0"/>
+          </a:p>
+          <a:p>
+            <a:r>
+              <a:rPr lang="en-US" dirty="0" smtClean="0"/>
+              <a:t>2</a:t>
+            </a:r>
             <a:r>
               <a:rPr lang="en-US" dirty="0"/>
-              <a:t>2. In the JavaFX application category, choose JavaFX Application. Click Next. </a:t>
-            </a:r>
-          </a:p>
-          <a:p>
+              <a:t>. In the JavaFX application category, choose JavaFX Application. Click Next. </a:t>
+            </a:r>
+            <a:endParaRPr lang="en-US" dirty="0" smtClean="0"/>
+          </a:p>
+          <a:p>
+            <a:r>
+              <a:rPr lang="en-US" dirty="0" smtClean="0"/>
+              <a:t>3</a:t>
+            </a:r>
             <a:r>
               <a:rPr lang="en-US" dirty="0"/>
-              <a:t>3. Name the project Login and click Finish.</a:t>
+              <a:t>. Name the project Login and click Finish</a:t>
+            </a:r>
+            <a:r>
+              <a:rPr lang="en-US" dirty="0" smtClean="0"/>
+              <a:t>.</a:t>
             </a:r>
           </a:p>
           <a:p>
             <a:r>
               <a:rPr lang="en-US" dirty="0"/>
-              <a:t>4. Remove the start() method that NetBeans IDE generated and replace it with the code in</a:t>
+              <a:t>4. Remove the start() method that NetBeans IDE generated and replace it with the code </a:t>
+            </a:r>
+            <a:r>
+              <a:rPr lang="en-US" dirty="0" smtClean="0"/>
+              <a:t>in</a:t>
             </a:r>
           </a:p>
           <a:p>
@@ -4545,7 +4630,11 @@
             </a:r>
             <a:r>
               <a:rPr lang="en-IN" i="1" dirty="0"/>
-              <a:t>) {</a:t>
+              <a:t>) </a:t>
+            </a:r>
+            <a:r>
+              <a:rPr lang="en-IN" i="1" dirty="0" smtClean="0"/>
+              <a:t>{</a:t>
             </a:r>
           </a:p>
           <a:p>
@@ -4554,7 +4643,11 @@
             </a:pPr>
             <a:r>
               <a:rPr lang="en-IN" i="1" dirty="0"/>
-              <a:t>	 </a:t>
+              <a:t>	</a:t>
+            </a:r>
+            <a:r>
+              <a:rPr lang="en-IN" i="1" dirty="0" smtClean="0"/>
+              <a:t> </a:t>
             </a:r>
             <a:r>
               <a:rPr lang="en-IN" i="1" dirty="0" err="1"/>
@@ -4564,6 +4657,7 @@
               <a:rPr lang="en-IN" i="1" dirty="0"/>
               <a:t>("JavaFX Welcome"); </a:t>
             </a:r>
+            <a:endParaRPr lang="en-IN" i="1" dirty="0" smtClean="0"/>
           </a:p>
           <a:p>
             <a:pPr marL="274320" lvl="1" indent="0">
@@ -4574,22 +4668,24 @@
               <a:t>	</a:t>
             </a:r>
             <a:r>
-              <a:rPr lang="en-IN" i="1" dirty="0" err="1"/>
+              <a:rPr lang="en-IN" i="1" dirty="0" err="1" smtClean="0"/>
               <a:t>primaryStage.show</a:t>
             </a:r>
             <a:r>
               <a:rPr lang="en-IN" i="1" dirty="0"/>
               <a:t>(); </a:t>
             </a:r>
+            <a:endParaRPr lang="en-IN" i="1" dirty="0" smtClean="0"/>
           </a:p>
           <a:p>
             <a:pPr marL="274320" lvl="1" indent="0">
               <a:buNone/>
             </a:pPr>
             <a:r>
-              <a:rPr lang="en-IN" i="1" dirty="0"/>
+              <a:rPr lang="en-IN" i="1" dirty="0" smtClean="0"/>
               <a:t>}</a:t>
             </a:r>
+            <a:endParaRPr lang="en-IN" i="1" dirty="0"/>
           </a:p>
         </p:txBody>
       </p:sp>
@@ -4639,9 +4735,10 @@
           <a:lstStyle/>
           <a:p>
             <a:r>
-              <a:rPr lang="en-IN" dirty="0"/>
+              <a:rPr lang="en-IN" dirty="0" smtClean="0"/>
               <a:t>JavaFX</a:t>
             </a:r>
+            <a:endParaRPr lang="en-IN" dirty="0"/>
           </a:p>
         </p:txBody>
       </p:sp>
@@ -4662,7 +4759,11 @@
           <a:p>
             <a:r>
               <a:rPr lang="en-US" dirty="0"/>
-              <a:t>JavaFX applications can use Java API libraries to access native system capabilities and connect to server-based middleware applications.</a:t>
+              <a:t>JavaFX applications can use Java API libraries to access native system capabilities and connect to server-based middleware applications</a:t>
+            </a:r>
+            <a:r>
+              <a:rPr lang="en-US" dirty="0" smtClean="0"/>
+              <a:t>.</a:t>
             </a:r>
           </a:p>
           <a:p>
@@ -4670,11 +4771,16 @@
               <a:rPr lang="en-US" dirty="0"/>
               <a:t>With JavaFX, you can build many types of applications. </a:t>
             </a:r>
-          </a:p>
-          <a:p>
+            <a:endParaRPr lang="en-US" dirty="0" smtClean="0"/>
+          </a:p>
+          <a:p>
+            <a:r>
+              <a:rPr lang="en-US" dirty="0" smtClean="0"/>
+              <a:t>The applications as Network-aware that </a:t>
+            </a:r>
             <a:r>
               <a:rPr lang="en-US" dirty="0"/>
-              <a:t>The applications as Network-aware that are deployed across multiple platforms and display information in a high-performance modern user interface that features audio, video, graphics, and animation.</a:t>
+              <a:t>are deployed across multiple platforms and display information in a high-performance modern user interface that features audio, video, graphics, and animation.</a:t>
             </a:r>
             <a:endParaRPr lang="en-IN" dirty="0"/>
           </a:p>
@@ -4726,9 +4832,10 @@
           <a:lstStyle/>
           <a:p>
             <a:r>
-              <a:rPr lang="en-IN" dirty="0"/>
+              <a:rPr lang="en-IN" dirty="0" smtClean="0"/>
               <a:t>Features of JFX</a:t>
             </a:r>
+            <a:endParaRPr lang="en-IN" dirty="0"/>
           </a:p>
         </p:txBody>
       </p:sp>
@@ -4755,18 +4862,27 @@
             </a:r>
             <a:r>
               <a:rPr lang="en-US" dirty="0"/>
-              <a:t>. JavaFX is a Java library that consists of classes and interfaces that are written in Java code.</a:t>
-            </a:r>
-          </a:p>
-          <a:p>
-            <a:r>
-              <a:rPr lang="en-US" b="1" dirty="0"/>
+              <a:t>. JavaFX is a Java library that consists of classes and interfaces that are written in Java </a:t>
+            </a:r>
+            <a:r>
+              <a:rPr lang="en-US" dirty="0" smtClean="0"/>
+              <a:t>code.</a:t>
+            </a:r>
+          </a:p>
+          <a:p>
+            <a:r>
+              <a:rPr lang="en-US" b="1" dirty="0" smtClean="0"/>
               <a:t>FXML</a:t>
             </a:r>
             <a:r>
+              <a:rPr lang="en-US" dirty="0" smtClean="0"/>
+              <a:t>. </a:t>
+            </a:r>
+            <a:r>
               <a:rPr lang="en-US" dirty="0"/>
-              <a:t>. FXML is an XML-based declarative markup language for constructing a JavaFX application user interface. </a:t>
-            </a:r>
+              <a:t>FXML is an XML-based declarative markup language for constructing a JavaFX application user interface. </a:t>
+            </a:r>
+            <a:endParaRPr lang="en-US" dirty="0" smtClean="0"/>
           </a:p>
           <a:p>
             <a:r>
@@ -4774,9 +4890,14 @@
               <a:t>Scene Builder </a:t>
             </a:r>
             <a:r>
+              <a:rPr lang="en-US" dirty="0" smtClean="0"/>
+              <a:t>application </a:t>
+            </a:r>
+            <a:r>
               <a:rPr lang="en-US" dirty="0"/>
-              <a:t>application in IDE’s such as Eclipse and NetBeans, the users can access a drag and drop design interface,</a:t>
-            </a:r>
+              <a:t>in IDE’s such as Eclipse and NetBeans, the users can access a drag and drop design interface,</a:t>
+            </a:r>
+            <a:endParaRPr lang="en-US" dirty="0" smtClean="0"/>
           </a:p>
           <a:p>
             <a:r>
@@ -4799,6 +4920,7 @@
               <a:rPr lang="en-US" dirty="0"/>
               <a:t> technology to make it possible to embed web pages within a JavaFX application. </a:t>
             </a:r>
+            <a:endParaRPr lang="en-US" dirty="0" smtClean="0"/>
           </a:p>
           <a:p>
             <a:r>
@@ -4888,7 +5010,11 @@
             </a:r>
             <a:r>
               <a:rPr lang="en-US" dirty="0"/>
-              <a:t>. JavaFX provides all the major UI controls that are required to develop a full-featured application. Components can be skinned with standard Web technologies such as CSS</a:t>
+              <a:t>. JavaFX provides all the major UI controls that are required to develop a full-featured application. Components can be skinned with standard Web technologies such as </a:t>
+            </a:r>
+            <a:r>
+              <a:rPr lang="en-US" dirty="0" smtClean="0"/>
+              <a:t>CSS</a:t>
             </a:r>
           </a:p>
           <a:p>
@@ -4896,12 +5022,14 @@
               <a:rPr lang="en-IN" dirty="0"/>
               <a:t>3D Graphics Features. </a:t>
             </a:r>
+            <a:endParaRPr lang="en-IN" dirty="0" smtClean="0"/>
           </a:p>
           <a:p>
             <a:r>
               <a:rPr lang="en-IN" dirty="0"/>
               <a:t>Canvas API and Printing API. </a:t>
             </a:r>
+            <a:endParaRPr lang="en-IN" dirty="0" smtClean="0"/>
           </a:p>
           <a:p>
             <a:r>
@@ -4910,7 +5038,11 @@
             </a:r>
             <a:r>
               <a:rPr lang="en-US" dirty="0"/>
-              <a:t> − JavaFX library provides a rich set of API’s to develop GUI applications, 2D and 3D graphics, etc.</a:t>
+              <a:t> − JavaFX library provides a rich set of API’s to develop GUI applications, 2D and 3D graphics, etc</a:t>
+            </a:r>
+            <a:r>
+              <a:rPr lang="en-US" dirty="0" smtClean="0"/>
+              <a:t>.</a:t>
             </a:r>
           </a:p>
           <a:p>
@@ -4972,9 +5104,10 @@
           <a:lstStyle/>
           <a:p>
             <a:r>
-              <a:rPr lang="en-IN" dirty="0"/>
+              <a:rPr lang="en-IN" dirty="0" smtClean="0"/>
               <a:t>JFX Architecture</a:t>
             </a:r>
+            <a:endParaRPr lang="en-IN" dirty="0"/>
           </a:p>
         </p:txBody>
       </p:sp>
@@ -5092,123 +5225,169 @@
           <a:p>
             <a:r>
               <a:rPr lang="en-IN" dirty="0"/>
-              <a:t>Scene Graph - </a:t>
+              <a:t>Scene Graph </a:t>
+            </a:r>
+            <a:r>
+              <a:rPr lang="en-IN" dirty="0" smtClean="0"/>
+              <a:t>- </a:t>
             </a:r>
             <a:r>
               <a:rPr lang="en-US" dirty="0"/>
               <a:t>A single element in a scene graph is called a node</a:t>
             </a:r>
-            <a:endParaRPr lang="en-IN" dirty="0"/>
-          </a:p>
-          <a:p>
+            <a:endParaRPr lang="en-IN" dirty="0" smtClean="0"/>
+          </a:p>
+          <a:p>
+            <a:r>
+              <a:rPr lang="en-IN" dirty="0" smtClean="0"/>
+              <a:t>Java </a:t>
+            </a:r>
             <a:r>
               <a:rPr lang="en-IN" dirty="0"/>
-              <a:t>Java Public APIs for JavaFX Features  -</a:t>
+              <a:t>Public APIs for JavaFX Features </a:t>
+            </a:r>
+            <a:r>
+              <a:rPr lang="en-IN" dirty="0" smtClean="0"/>
+              <a:t> -</a:t>
             </a:r>
             <a:r>
               <a:rPr lang="en-US" dirty="0"/>
               <a:t> Allow the use of powerful Java features, such as generics, annotations, multithreading</a:t>
             </a:r>
-            <a:endParaRPr lang="en-IN" dirty="0"/>
-          </a:p>
-          <a:p>
+            <a:endParaRPr lang="en-IN" dirty="0" smtClean="0"/>
+          </a:p>
+          <a:p>
+            <a:r>
+              <a:rPr lang="en-IN" dirty="0" smtClean="0"/>
+              <a:t>Graphics </a:t>
+            </a:r>
             <a:r>
               <a:rPr lang="en-IN" dirty="0"/>
-              <a:t>Graphics System - </a:t>
+              <a:t>System </a:t>
+            </a:r>
+            <a:r>
+              <a:rPr lang="en-IN" dirty="0" smtClean="0"/>
+              <a:t>- </a:t>
             </a:r>
             <a:r>
               <a:rPr lang="en-US" dirty="0"/>
               <a:t>It supports both 2-D and 3-D scene graphs.</a:t>
             </a:r>
-            <a:endParaRPr lang="en-IN" dirty="0"/>
-          </a:p>
-          <a:p>
+            <a:endParaRPr lang="en-IN" dirty="0" smtClean="0"/>
+          </a:p>
+          <a:p>
+            <a:r>
+              <a:rPr lang="en-IN" dirty="0" smtClean="0"/>
+              <a:t>Glass </a:t>
+            </a:r>
             <a:r>
               <a:rPr lang="en-IN" dirty="0"/>
-              <a:t>Glass Windowing Toolkit - </a:t>
+              <a:t>Windowing Toolkit </a:t>
+            </a:r>
+            <a:r>
+              <a:rPr lang="en-IN" dirty="0" smtClean="0"/>
+              <a:t>- </a:t>
             </a:r>
             <a:r>
               <a:rPr lang="en-US" dirty="0"/>
               <a:t>main responsibility is to provide native operating services, such as managing the windows, timers, and surfaces</a:t>
             </a:r>
-            <a:endParaRPr lang="en-IN" dirty="0"/>
-          </a:p>
-          <a:p>
+            <a:endParaRPr lang="en-IN" dirty="0" smtClean="0"/>
+          </a:p>
+          <a:p>
+            <a:r>
+              <a:rPr lang="en-IN" dirty="0" smtClean="0"/>
+              <a:t>Media </a:t>
+            </a:r>
             <a:r>
               <a:rPr lang="en-IN" dirty="0"/>
-              <a:t>Media and Images </a:t>
-            </a:r>
-          </a:p>
-          <a:p>
+              <a:t>and Images </a:t>
+            </a:r>
+            <a:endParaRPr lang="en-IN" dirty="0" smtClean="0"/>
+          </a:p>
+          <a:p>
+            <a:r>
+              <a:rPr lang="en-IN" dirty="0" smtClean="0"/>
+              <a:t>Web </a:t>
+            </a:r>
             <a:r>
               <a:rPr lang="en-IN" dirty="0"/>
-              <a:t>Web Component </a:t>
-            </a:r>
-          </a:p>
-          <a:p>
-            <a:r>
-              <a:rPr lang="en-IN" dirty="0"/>
+              <a:t>Component </a:t>
+            </a:r>
+            <a:endParaRPr lang="en-IN" dirty="0" smtClean="0"/>
+          </a:p>
+          <a:p>
+            <a:r>
+              <a:rPr lang="en-IN" dirty="0" smtClean="0"/>
               <a:t>CSS - </a:t>
             </a:r>
             <a:r>
               <a:rPr lang="en-US" dirty="0"/>
               <a:t>JavaFX Cascading Style Sheets (CSS) provides the ability to apply customized styling to the user interface of a JavaFX application </a:t>
             </a:r>
-            <a:endParaRPr lang="en-IN" dirty="0"/>
-          </a:p>
-          <a:p>
+            <a:endParaRPr lang="en-IN" dirty="0" smtClean="0"/>
+          </a:p>
+          <a:p>
+            <a:r>
+              <a:rPr lang="en-IN" dirty="0" smtClean="0"/>
+              <a:t>UI </a:t>
+            </a:r>
             <a:r>
               <a:rPr lang="en-IN" dirty="0"/>
-              <a:t>UI Controls  - check box, button, </a:t>
-            </a:r>
-            <a:r>
-              <a:rPr lang="en-IN" dirty="0" err="1"/>
+              <a:t>Controls </a:t>
+            </a:r>
+            <a:r>
+              <a:rPr lang="en-IN" dirty="0" smtClean="0"/>
+              <a:t> - check box, button, </a:t>
+            </a:r>
+            <a:r>
+              <a:rPr lang="en-IN" dirty="0" err="1" smtClean="0"/>
               <a:t>listbox</a:t>
             </a:r>
             <a:r>
-              <a:rPr lang="en-IN" dirty="0"/>
+              <a:rPr lang="en-IN" dirty="0" smtClean="0"/>
               <a:t>, progress</a:t>
             </a:r>
           </a:p>
           <a:p>
             <a:r>
-              <a:rPr lang="en-IN" dirty="0"/>
+              <a:rPr lang="en-IN" dirty="0" smtClean="0"/>
               <a:t>Layout – </a:t>
             </a:r>
             <a:r>
-              <a:rPr lang="en-IN" dirty="0" err="1"/>
+              <a:rPr lang="en-IN" dirty="0" err="1" smtClean="0"/>
               <a:t>Borderpane</a:t>
             </a:r>
             <a:r>
-              <a:rPr lang="en-IN" dirty="0"/>
+              <a:rPr lang="en-IN" dirty="0" smtClean="0"/>
               <a:t>, </a:t>
             </a:r>
             <a:r>
-              <a:rPr lang="en-IN" dirty="0" err="1"/>
+              <a:rPr lang="en-IN" dirty="0" err="1" smtClean="0"/>
               <a:t>Hbox</a:t>
             </a:r>
             <a:r>
-              <a:rPr lang="en-IN" dirty="0"/>
+              <a:rPr lang="en-IN" dirty="0" smtClean="0"/>
               <a:t>, </a:t>
             </a:r>
             <a:r>
-              <a:rPr lang="en-IN" dirty="0" err="1"/>
+              <a:rPr lang="en-IN" dirty="0" err="1" smtClean="0"/>
               <a:t>Vbox</a:t>
             </a:r>
             <a:r>
-              <a:rPr lang="en-IN" dirty="0"/>
+              <a:rPr lang="en-IN" dirty="0" smtClean="0"/>
               <a:t>, </a:t>
             </a:r>
             <a:r>
-              <a:rPr lang="en-IN" dirty="0" err="1"/>
+              <a:rPr lang="en-IN" dirty="0" err="1" smtClean="0"/>
               <a:t>Gridpane</a:t>
             </a:r>
             <a:r>
-              <a:rPr lang="en-IN" dirty="0"/>
+              <a:rPr lang="en-IN" dirty="0" smtClean="0"/>
               <a:t>, </a:t>
             </a:r>
             <a:r>
-              <a:rPr lang="en-IN" dirty="0" err="1"/>
+              <a:rPr lang="en-IN" dirty="0" err="1" smtClean="0"/>
               <a:t>Stackpane</a:t>
             </a:r>
             <a:endParaRPr lang="en-IN" dirty="0"/>
@@ -5264,8 +5443,13 @@
           <a:p>
             <a:r>
               <a:rPr lang="en-IN" dirty="0"/>
-              <a:t>JavaFX Application Structure</a:t>
-            </a:r>
+              <a:t>JavaFX Application </a:t>
+            </a:r>
+            <a:r>
+              <a:rPr lang="en-IN" dirty="0" smtClean="0"/>
+              <a:t>Structure</a:t>
+            </a:r>
+            <a:endParaRPr lang="en-IN" dirty="0"/>
           </a:p>
         </p:txBody>
       </p:sp>
@@ -5399,8 +5583,20 @@
           <a:lstStyle/>
           <a:p>
             <a:r>
+              <a:rPr lang="en-US" dirty="0" smtClean="0"/>
+              <a:t>Stage</a:t>
+            </a:r>
+            <a:r>
               <a:rPr lang="en-US" dirty="0"/>
-              <a:t>Stage - A stage (a window) contains all the objects of a JavaFX application. It is represented by </a:t>
+              <a:t> </a:t>
+            </a:r>
+            <a:r>
+              <a:rPr lang="en-US" dirty="0" smtClean="0"/>
+              <a:t>- A </a:t>
+            </a:r>
+            <a:r>
+              <a:rPr lang="en-US" dirty="0"/>
+              <a:t>stage (a window) contains all the objects of a JavaFX application. It is represented by </a:t>
             </a:r>
             <a:r>
               <a:rPr lang="en-US" b="1" dirty="0"/>
@@ -5432,13 +5628,25 @@
             </a:r>
             <a:r>
               <a:rPr lang="en-US" dirty="0"/>
-              <a:t> class. </a:t>
-            </a:r>
-          </a:p>
-          <a:p>
+              <a:t> </a:t>
+            </a:r>
+            <a:r>
+              <a:rPr lang="en-US" dirty="0" smtClean="0"/>
+              <a:t>class. </a:t>
+            </a:r>
+          </a:p>
+          <a:p>
+            <a:r>
+              <a:rPr lang="en-US" dirty="0" smtClean="0"/>
+              <a:t>Scene- Scene </a:t>
+            </a:r>
             <a:r>
               <a:rPr lang="en-US" dirty="0"/>
-              <a:t>Scene- Scene represents the physical contents of a JavaFX application. It contains all the contents of a scene graph.</a:t>
+              <a:t>represents the physical contents of a JavaFX application. It contains all the contents of a scene graph</a:t>
+            </a:r>
+            <a:r>
+              <a:rPr lang="en-US" dirty="0" smtClean="0"/>
+              <a:t>.</a:t>
             </a:r>
           </a:p>
           <a:p>
@@ -5542,8 +5750,13 @@
           <a:p>
             <a:r>
               <a:rPr lang="en-IN" dirty="0"/>
-              <a:t>JavaFX Application</a:t>
-            </a:r>
+              <a:t>JavaFX </a:t>
+            </a:r>
+            <a:r>
+              <a:rPr lang="en-IN" dirty="0" smtClean="0"/>
+              <a:t>Application</a:t>
+            </a:r>
+            <a:endParaRPr lang="en-IN" dirty="0"/>
           </a:p>
         </p:txBody>
       </p:sp>
@@ -5579,7 +5792,15 @@
             </a:r>
             <a:r>
               <a:rPr lang="en-US" dirty="0"/>
-              <a:t> class of the package </a:t>
+              <a:t> class of </a:t>
+            </a:r>
+            <a:r>
+              <a:rPr lang="en-US" dirty="0" smtClean="0"/>
+              <a:t>the package</a:t>
+            </a:r>
+            <a:r>
+              <a:rPr lang="en-US" dirty="0"/>
+              <a:t> </a:t>
             </a:r>
             <a:r>
               <a:rPr lang="en-US" b="1" dirty="0" err="1"/>
@@ -5589,11 +5810,16 @@
               <a:rPr lang="en-US" dirty="0"/>
               <a:t> is the entry point of the application in JavaFX. </a:t>
             </a:r>
-          </a:p>
-          <a:p>
+            <a:endParaRPr lang="en-US" dirty="0" smtClean="0"/>
+          </a:p>
+          <a:p>
+            <a:r>
+              <a:rPr lang="en-US" dirty="0" smtClean="0"/>
+              <a:t>To </a:t>
+            </a:r>
             <a:r>
               <a:rPr lang="en-US" dirty="0"/>
-              <a:t>To create a JavaFX application, you need to inherit this class and implement its abstract method </a:t>
+              <a:t>create a JavaFX application, you need to inherit this class and implement its abstract method </a:t>
             </a:r>
             <a:r>
               <a:rPr lang="en-US" b="1" dirty="0"/>
@@ -5601,7 +5827,11 @@
             </a:r>
             <a:r>
               <a:rPr lang="en-US" dirty="0"/>
-              <a:t>. In this method, you need to write the entire code for the JavaFX graphics. </a:t>
+              <a:t>. In this method, you need to write the entire code for the JavaFX </a:t>
+            </a:r>
+            <a:r>
+              <a:rPr lang="en-US" dirty="0" smtClean="0"/>
+              <a:t>graphics. </a:t>
             </a:r>
           </a:p>
           <a:p>
@@ -5626,8 +5856,12 @@
               <a:buNone/>
             </a:pPr>
             <a:r>
+              <a:rPr lang="en-IN" dirty="0" smtClean="0"/>
+              <a:t>public </a:t>
+            </a:r>
+            <a:r>
               <a:rPr lang="en-IN" dirty="0"/>
-              <a:t>public void start(Stage </a:t>
+              <a:t>void start(Stage </a:t>
             </a:r>
             <a:r>
               <a:rPr lang="en-IN" dirty="0" err="1"/>
